--- a/W06/系統排程設定.pptx
+++ b/W06/系統排程設定.pptx
@@ -205,7 +205,7 @@
             <a:fld id="{D4CB86DC-20C9-45AA-9C21-5865177CCC2D}" type="datetimeFigureOut">
               <a:rPr lang="zh-TW" altLang="en-US" smtClean="0"/>
               <a:pPr/>
-              <a:t>2023/2/10</a:t>
+              <a:t>2023/2/11</a:t>
             </a:fld>
             <a:endParaRPr lang="zh-TW" altLang="en-US"/>
           </a:p>
@@ -374,7 +374,7 @@
     </p:spTree>
     <p:extLst>
       <p:ext uri="{BB962C8B-B14F-4D97-AF65-F5344CB8AC3E}">
-        <p14:creationId xmlns:p14="http://schemas.microsoft.com/office/powerpoint/2010/main" xmlns="" val="945397692"/>
+        <p14:creationId xmlns="" xmlns:p14="http://schemas.microsoft.com/office/powerpoint/2010/main" val="945397692"/>
       </p:ext>
     </p:extLst>
   </p:cSld>
@@ -669,7 +669,7 @@
             <a:fld id="{5BBEAD13-0566-4C6C-97E7-55F17F24B09F}" type="datetimeFigureOut">
               <a:rPr lang="zh-TW" altLang="en-US" smtClean="0"/>
               <a:pPr/>
-              <a:t>2023/2/10</a:t>
+              <a:t>2023/2/11</a:t>
             </a:fld>
             <a:endParaRPr lang="zh-TW" altLang="en-US"/>
           </a:p>
@@ -836,7 +836,7 @@
             <a:fld id="{5BBEAD13-0566-4C6C-97E7-55F17F24B09F}" type="datetimeFigureOut">
               <a:rPr lang="zh-TW" altLang="en-US" smtClean="0"/>
               <a:pPr/>
-              <a:t>2023/2/10</a:t>
+              <a:t>2023/2/11</a:t>
             </a:fld>
             <a:endParaRPr lang="zh-TW" altLang="en-US"/>
           </a:p>
@@ -1013,7 +1013,7 @@
             <a:fld id="{5BBEAD13-0566-4C6C-97E7-55F17F24B09F}" type="datetimeFigureOut">
               <a:rPr lang="zh-TW" altLang="en-US" smtClean="0"/>
               <a:pPr/>
-              <a:t>2023/2/10</a:t>
+              <a:t>2023/2/11</a:t>
             </a:fld>
             <a:endParaRPr lang="zh-TW" altLang="en-US"/>
           </a:p>
@@ -1180,7 +1180,7 @@
             <a:fld id="{5BBEAD13-0566-4C6C-97E7-55F17F24B09F}" type="datetimeFigureOut">
               <a:rPr lang="zh-TW" altLang="en-US" smtClean="0"/>
               <a:pPr/>
-              <a:t>2023/2/10</a:t>
+              <a:t>2023/2/11</a:t>
             </a:fld>
             <a:endParaRPr lang="zh-TW" altLang="en-US"/>
           </a:p>
@@ -1423,7 +1423,7 @@
             <a:fld id="{5BBEAD13-0566-4C6C-97E7-55F17F24B09F}" type="datetimeFigureOut">
               <a:rPr lang="zh-TW" altLang="en-US" smtClean="0"/>
               <a:pPr/>
-              <a:t>2023/2/10</a:t>
+              <a:t>2023/2/11</a:t>
             </a:fld>
             <a:endParaRPr lang="zh-TW" altLang="en-US"/>
           </a:p>
@@ -1708,7 +1708,7 @@
             <a:fld id="{5BBEAD13-0566-4C6C-97E7-55F17F24B09F}" type="datetimeFigureOut">
               <a:rPr lang="zh-TW" altLang="en-US" smtClean="0"/>
               <a:pPr/>
-              <a:t>2023/2/10</a:t>
+              <a:t>2023/2/11</a:t>
             </a:fld>
             <a:endParaRPr lang="zh-TW" altLang="en-US"/>
           </a:p>
@@ -2139,7 +2139,7 @@
             <a:fld id="{5BBEAD13-0566-4C6C-97E7-55F17F24B09F}" type="datetimeFigureOut">
               <a:rPr lang="zh-TW" altLang="en-US" smtClean="0"/>
               <a:pPr/>
-              <a:t>2023/2/10</a:t>
+              <a:t>2023/2/11</a:t>
             </a:fld>
             <a:endParaRPr lang="zh-TW" altLang="en-US"/>
           </a:p>
@@ -2254,7 +2254,7 @@
             <a:fld id="{5BBEAD13-0566-4C6C-97E7-55F17F24B09F}" type="datetimeFigureOut">
               <a:rPr lang="zh-TW" altLang="en-US" smtClean="0"/>
               <a:pPr/>
-              <a:t>2023/2/10</a:t>
+              <a:t>2023/2/11</a:t>
             </a:fld>
             <a:endParaRPr lang="zh-TW" altLang="en-US"/>
           </a:p>
@@ -2346,7 +2346,7 @@
             <a:fld id="{5BBEAD13-0566-4C6C-97E7-55F17F24B09F}" type="datetimeFigureOut">
               <a:rPr lang="zh-TW" altLang="en-US" smtClean="0"/>
               <a:pPr/>
-              <a:t>2023/2/10</a:t>
+              <a:t>2023/2/11</a:t>
             </a:fld>
             <a:endParaRPr lang="zh-TW" altLang="en-US"/>
           </a:p>
@@ -2537,7 +2537,7 @@
             <a:fld id="{5BBEAD13-0566-4C6C-97E7-55F17F24B09F}" type="datetimeFigureOut">
               <a:rPr lang="zh-TW" altLang="en-US" smtClean="0"/>
               <a:pPr/>
-              <a:t>2023/2/10</a:t>
+              <a:t>2023/2/11</a:t>
             </a:fld>
             <a:endParaRPr lang="zh-TW" altLang="en-US"/>
           </a:p>
@@ -2857,7 +2857,7 @@
             <a:fld id="{5BBEAD13-0566-4C6C-97E7-55F17F24B09F}" type="datetimeFigureOut">
               <a:rPr lang="zh-TW" altLang="en-US" smtClean="0"/>
               <a:pPr/>
-              <a:t>2023/2/10</a:t>
+              <a:t>2023/2/11</a:t>
             </a:fld>
             <a:endParaRPr lang="zh-TW" altLang="en-US"/>
           </a:p>
@@ -3239,7 +3239,7 @@
             <a:fld id="{5BBEAD13-0566-4C6C-97E7-55F17F24B09F}" type="datetimeFigureOut">
               <a:rPr lang="zh-TW" altLang="en-US" smtClean="0"/>
               <a:pPr/>
-              <a:t>2023/2/10</a:t>
+              <a:t>2023/2/11</a:t>
             </a:fld>
             <a:endParaRPr lang="zh-TW" altLang="en-US"/>
           </a:p>
@@ -3579,11 +3579,7 @@
           <a:p>
             <a:r>
               <a:rPr lang="zh-TW" altLang="en-US" dirty="0" smtClean="0"/>
-              <a:t>系統</a:t>
-            </a:r>
-            <a:r>
-              <a:rPr lang="zh-TW" altLang="en-US" dirty="0" smtClean="0"/>
-              <a:t>排程</a:t>
+              <a:t>系統排程</a:t>
             </a:r>
             <a:endParaRPr lang="zh-TW" altLang="en-US" dirty="0"/>
           </a:p>
@@ -3619,7 +3615,7 @@
     </p:spTree>
     <p:extLst>
       <p:ext uri="{BB962C8B-B14F-4D97-AF65-F5344CB8AC3E}">
-        <p14:creationId xmlns:p14="http://schemas.microsoft.com/office/powerpoint/2010/main" xmlns="" val="3177660176"/>
+        <p14:creationId xmlns="" xmlns:p14="http://schemas.microsoft.com/office/powerpoint/2010/main" val="3177660176"/>
       </p:ext>
     </p:extLst>
   </p:cSld>
@@ -3700,7 +3696,7 @@
           <a:blip r:embed="rId2">
             <a:extLst>
               <a:ext uri="{28A0092B-C50C-407E-A947-70E740481C1C}">
-                <a14:useLocalDpi xmlns:a14="http://schemas.microsoft.com/office/drawing/2010/main" xmlns="" val="0"/>
+                <a14:useLocalDpi xmlns="" xmlns:a14="http://schemas.microsoft.com/office/drawing/2010/main" val="0"/>
               </a:ext>
             </a:extLst>
           </a:blip>
@@ -3724,14 +3720,14 @@
           <a:effectLst/>
           <a:extLst>
             <a:ext uri="{909E8E84-426E-40DD-AFC4-6F175D3DCCD1}">
-              <a14:hiddenFill xmlns:a14="http://schemas.microsoft.com/office/drawing/2010/main" xmlns="">
+              <a14:hiddenFill xmlns="" xmlns:a14="http://schemas.microsoft.com/office/drawing/2010/main">
                 <a:solidFill>
                   <a:schemeClr val="accent1"/>
                 </a:solidFill>
               </a14:hiddenFill>
             </a:ext>
             <a:ext uri="{91240B29-F687-4F45-9708-019B960494DF}">
-              <a14:hiddenLine xmlns:a14="http://schemas.microsoft.com/office/drawing/2010/main" xmlns="" w="9525">
+              <a14:hiddenLine xmlns="" xmlns:a14="http://schemas.microsoft.com/office/drawing/2010/main" w="9525">
                 <a:solidFill>
                   <a:schemeClr val="tx1"/>
                 </a:solidFill>
@@ -3741,7 +3737,7 @@
               </a14:hiddenLine>
             </a:ext>
             <a:ext uri="{AF507438-7753-43E0-B8FC-AC1667EBCBE1}">
-              <a14:hiddenEffects xmlns:a14="http://schemas.microsoft.com/office/drawing/2010/main" xmlns="">
+              <a14:hiddenEffects xmlns="" xmlns:a14="http://schemas.microsoft.com/office/drawing/2010/main">
                 <a:effectLst>
                   <a:outerShdw dist="35921" dir="2700000" algn="ctr" rotWithShape="0">
                     <a:schemeClr val="bg2"/>
@@ -3755,13 +3751,20 @@
     </p:spTree>
     <p:extLst>
       <p:ext uri="{BB962C8B-B14F-4D97-AF65-F5344CB8AC3E}">
-        <p14:creationId xmlns:p14="http://schemas.microsoft.com/office/powerpoint/2010/main" xmlns="" val="3593830368"/>
+        <p14:creationId xmlns="" xmlns:p14="http://schemas.microsoft.com/office/powerpoint/2010/main" val="3593830368"/>
       </p:ext>
     </p:extLst>
   </p:cSld>
   <p:clrMapOvr>
     <a:masterClrMapping/>
   </p:clrMapOvr>
+  <p:timing>
+    <p:tnLst>
+      <p:par>
+        <p:cTn id="1" dur="indefinite" restart="never" nodeType="tmRoot"/>
+      </p:par>
+    </p:tnLst>
+  </p:timing>
 </p:sld>
 </file>
 
@@ -3836,7 +3839,7 @@
           <a:blip r:embed="rId2">
             <a:extLst>
               <a:ext uri="{28A0092B-C50C-407E-A947-70E740481C1C}">
-                <a14:useLocalDpi xmlns:a14="http://schemas.microsoft.com/office/drawing/2010/main" xmlns="" val="0"/>
+                <a14:useLocalDpi xmlns="" xmlns:a14="http://schemas.microsoft.com/office/drawing/2010/main" val="0"/>
               </a:ext>
             </a:extLst>
           </a:blip>
@@ -3860,14 +3863,14 @@
           <a:effectLst/>
           <a:extLst>
             <a:ext uri="{909E8E84-426E-40DD-AFC4-6F175D3DCCD1}">
-              <a14:hiddenFill xmlns:a14="http://schemas.microsoft.com/office/drawing/2010/main" xmlns="">
+              <a14:hiddenFill xmlns="" xmlns:a14="http://schemas.microsoft.com/office/drawing/2010/main">
                 <a:solidFill>
                   <a:schemeClr val="accent1"/>
                 </a:solidFill>
               </a14:hiddenFill>
             </a:ext>
             <a:ext uri="{91240B29-F687-4F45-9708-019B960494DF}">
-              <a14:hiddenLine xmlns:a14="http://schemas.microsoft.com/office/drawing/2010/main" xmlns="" w="9525">
+              <a14:hiddenLine xmlns="" xmlns:a14="http://schemas.microsoft.com/office/drawing/2010/main" w="9525">
                 <a:solidFill>
                   <a:schemeClr val="tx1"/>
                 </a:solidFill>
@@ -3877,7 +3880,7 @@
               </a14:hiddenLine>
             </a:ext>
             <a:ext uri="{AF507438-7753-43E0-B8FC-AC1667EBCBE1}">
-              <a14:hiddenEffects xmlns:a14="http://schemas.microsoft.com/office/drawing/2010/main" xmlns="">
+              <a14:hiddenEffects xmlns="" xmlns:a14="http://schemas.microsoft.com/office/drawing/2010/main">
                 <a:effectLst>
                   <a:outerShdw dist="35921" dir="2700000" algn="ctr" rotWithShape="0">
                     <a:schemeClr val="bg2"/>
@@ -3891,13 +3894,20 @@
     </p:spTree>
     <p:extLst>
       <p:ext uri="{BB962C8B-B14F-4D97-AF65-F5344CB8AC3E}">
-        <p14:creationId xmlns:p14="http://schemas.microsoft.com/office/powerpoint/2010/main" xmlns="" val="2599701239"/>
+        <p14:creationId xmlns="" xmlns:p14="http://schemas.microsoft.com/office/powerpoint/2010/main" val="2599701239"/>
       </p:ext>
     </p:extLst>
   </p:cSld>
   <p:clrMapOvr>
     <a:masterClrMapping/>
   </p:clrMapOvr>
+  <p:timing>
+    <p:tnLst>
+      <p:par>
+        <p:cTn id="1" dur="indefinite" restart="never" nodeType="tmRoot"/>
+      </p:par>
+    </p:tnLst>
+  </p:timing>
 </p:sld>
 </file>
 
@@ -3972,7 +3982,7 @@
           <a:blip r:embed="rId2">
             <a:extLst>
               <a:ext uri="{28A0092B-C50C-407E-A947-70E740481C1C}">
-                <a14:useLocalDpi xmlns:a14="http://schemas.microsoft.com/office/drawing/2010/main" xmlns="" val="0"/>
+                <a14:useLocalDpi xmlns="" xmlns:a14="http://schemas.microsoft.com/office/drawing/2010/main" val="0"/>
               </a:ext>
             </a:extLst>
           </a:blip>
@@ -3996,14 +4006,14 @@
           <a:effectLst/>
           <a:extLst>
             <a:ext uri="{909E8E84-426E-40DD-AFC4-6F175D3DCCD1}">
-              <a14:hiddenFill xmlns:a14="http://schemas.microsoft.com/office/drawing/2010/main" xmlns="">
+              <a14:hiddenFill xmlns="" xmlns:a14="http://schemas.microsoft.com/office/drawing/2010/main">
                 <a:solidFill>
                   <a:schemeClr val="accent1"/>
                 </a:solidFill>
               </a14:hiddenFill>
             </a:ext>
             <a:ext uri="{91240B29-F687-4F45-9708-019B960494DF}">
-              <a14:hiddenLine xmlns:a14="http://schemas.microsoft.com/office/drawing/2010/main" xmlns="" w="9525">
+              <a14:hiddenLine xmlns="" xmlns:a14="http://schemas.microsoft.com/office/drawing/2010/main" w="9525">
                 <a:solidFill>
                   <a:schemeClr val="tx1"/>
                 </a:solidFill>
@@ -4013,7 +4023,7 @@
               </a14:hiddenLine>
             </a:ext>
             <a:ext uri="{AF507438-7753-43E0-B8FC-AC1667EBCBE1}">
-              <a14:hiddenEffects xmlns:a14="http://schemas.microsoft.com/office/drawing/2010/main" xmlns="">
+              <a14:hiddenEffects xmlns="" xmlns:a14="http://schemas.microsoft.com/office/drawing/2010/main">
                 <a:effectLst>
                   <a:outerShdw dist="35921" dir="2700000" algn="ctr" rotWithShape="0">
                     <a:schemeClr val="bg2"/>
@@ -4027,13 +4037,20 @@
     </p:spTree>
     <p:extLst>
       <p:ext uri="{BB962C8B-B14F-4D97-AF65-F5344CB8AC3E}">
-        <p14:creationId xmlns:p14="http://schemas.microsoft.com/office/powerpoint/2010/main" xmlns="" val="1227090135"/>
+        <p14:creationId xmlns="" xmlns:p14="http://schemas.microsoft.com/office/powerpoint/2010/main" val="1227090135"/>
       </p:ext>
     </p:extLst>
   </p:cSld>
   <p:clrMapOvr>
     <a:masterClrMapping/>
   </p:clrMapOvr>
+  <p:timing>
+    <p:tnLst>
+      <p:par>
+        <p:cTn id="1" dur="indefinite" restart="never" nodeType="tmRoot"/>
+      </p:par>
+    </p:tnLst>
+  </p:timing>
 </p:sld>
 </file>
 
@@ -4120,15 +4137,7 @@
             </a:pPr>
             <a:r>
               <a:rPr lang="zh-TW" altLang="en-US" dirty="0" smtClean="0"/>
-              <a:t>分 </a:t>
-            </a:r>
-            <a:r>
-              <a:rPr lang="zh-TW" altLang="en-US" dirty="0" smtClean="0"/>
-              <a:t>     小時    日          月      星期        </a:t>
-            </a:r>
-            <a:r>
-              <a:rPr lang="zh-TW" altLang="en-US" dirty="0" smtClean="0"/>
-              <a:t>命令 </a:t>
+              <a:t>分      小時    日          月      星期        命令 </a:t>
             </a:r>
             <a:endParaRPr lang="en-US" altLang="zh-TW" dirty="0" smtClean="0"/>
           </a:p>
@@ -4231,37 +4240,65 @@
             </a:pPr>
             <a:r>
               <a:rPr lang="en-US" dirty="0" smtClean="0"/>
-              <a:t>30 </a:t>
+              <a:t>30 7 </a:t>
             </a:r>
             <a:r>
               <a:rPr lang="en-US" dirty="0" smtClean="0"/>
-              <a:t>7 8 * * </a:t>
+              <a:t>* </a:t>
+            </a:r>
+            <a:r>
+              <a:rPr lang="en-US" dirty="0" smtClean="0"/>
+              <a:t>* * </a:t>
+            </a:r>
+            <a:r>
+              <a:rPr lang="en-US" dirty="0" smtClean="0"/>
+              <a:t>python report.py</a:t>
+            </a:r>
+            <a:endParaRPr lang="en-US" altLang="zh-TW" dirty="0" smtClean="0"/>
+          </a:p>
+          <a:p>
+            <a:pPr>
+              <a:buNone/>
+            </a:pPr>
+            <a:r>
+              <a:rPr lang="en-US" dirty="0" smtClean="0"/>
+              <a:t># </a:t>
+            </a:r>
+            <a:r>
+              <a:rPr lang="zh-TW" altLang="en-US" dirty="0" smtClean="0"/>
+              <a:t>每</a:t>
+            </a:r>
+            <a:r>
+              <a:rPr lang="en-US" altLang="zh-TW" dirty="0" smtClean="0"/>
+              <a:t>15</a:t>
+            </a:r>
+            <a:r>
+              <a:rPr lang="zh-TW" altLang="en-US" dirty="0" smtClean="0"/>
+              <a:t>分鐘執行一次</a:t>
             </a:r>
             <a:r>
               <a:rPr lang="en-US" dirty="0" err="1" smtClean="0"/>
               <a:t>ls</a:t>
             </a:r>
-            <a:endParaRPr lang="en-US" altLang="zh-TW" dirty="0" smtClean="0"/>
-          </a:p>
-          <a:p>
-            <a:pPr>
-              <a:buNone/>
-            </a:pPr>
-            <a:r>
-              <a:rPr lang="en-US" dirty="0" smtClean="0"/>
-              <a:t># </a:t>
-            </a:r>
             <a:r>
               <a:rPr lang="zh-TW" altLang="en-US" dirty="0" smtClean="0"/>
-              <a:t>每</a:t>
+              <a:t>命令</a:t>
             </a:r>
             <a:r>
               <a:rPr lang="en-US" altLang="zh-TW" dirty="0" smtClean="0"/>
-              <a:t>15</a:t>
+              <a:t>【</a:t>
             </a:r>
             <a:r>
               <a:rPr lang="zh-TW" altLang="en-US" dirty="0" smtClean="0"/>
-              <a:t>分鐘執行一次</a:t>
+              <a:t>即每個小時的第</a:t>
+            </a:r>
+            <a:r>
+              <a:rPr lang="en-US" altLang="zh-TW" dirty="0" smtClean="0"/>
+              <a:t>15 30 45 60 </a:t>
+            </a:r>
+            <a:r>
+              <a:rPr lang="zh-TW" altLang="en-US" dirty="0" smtClean="0"/>
+              <a:t>分鐘執行</a:t>
             </a:r>
             <a:r>
               <a:rPr lang="en-US" dirty="0" err="1" smtClean="0"/>
@@ -4273,63 +4310,38 @@
             </a:r>
             <a:r>
               <a:rPr lang="en-US" altLang="zh-TW" dirty="0" smtClean="0"/>
-              <a:t>【</a:t>
+              <a:t>】</a:t>
             </a:r>
             <a:r>
               <a:rPr lang="zh-TW" altLang="en-US" dirty="0" smtClean="0"/>
-              <a:t>即每個小時的第</a:t>
+              <a:t> </a:t>
+            </a:r>
+            <a:endParaRPr lang="en-US" altLang="zh-TW" dirty="0" smtClean="0"/>
+          </a:p>
+          <a:p>
+            <a:pPr>
+              <a:buNone/>
+            </a:pPr>
+            <a:r>
+              <a:rPr lang="zh-TW" altLang="en-US" dirty="0" smtClean="0"/>
+              <a:t>*</a:t>
             </a:r>
             <a:r>
               <a:rPr lang="en-US" altLang="zh-TW" dirty="0" smtClean="0"/>
-              <a:t>15 30 45 60 </a:t>
+              <a:t>/15</a:t>
             </a:r>
             <a:r>
               <a:rPr lang="zh-TW" altLang="en-US" dirty="0" smtClean="0"/>
-              <a:t>分鐘執行</a:t>
+              <a:t> * * * * </a:t>
             </a:r>
             <a:r>
               <a:rPr lang="en-US" dirty="0" err="1" smtClean="0"/>
               <a:t>ls</a:t>
             </a:r>
             <a:r>
-              <a:rPr lang="zh-TW" altLang="en-US" dirty="0" smtClean="0"/>
-              <a:t>命令</a:t>
-            </a:r>
-            <a:r>
-              <a:rPr lang="en-US" altLang="zh-TW" dirty="0" smtClean="0"/>
-              <a:t>】</a:t>
-            </a:r>
-            <a:r>
-              <a:rPr lang="zh-TW" altLang="en-US" dirty="0" smtClean="0"/>
-              <a:t> </a:t>
-            </a:r>
-            <a:endParaRPr lang="en-US" altLang="zh-TW" dirty="0" smtClean="0"/>
-          </a:p>
-          <a:p>
-            <a:pPr>
-              <a:buNone/>
-            </a:pPr>
-            <a:r>
-              <a:rPr lang="zh-TW" altLang="en-US" dirty="0" smtClean="0"/>
-              <a:t>*</a:t>
-            </a:r>
-            <a:r>
-              <a:rPr lang="en-US" altLang="zh-TW" dirty="0" smtClean="0"/>
-              <a:t>/15</a:t>
-            </a:r>
-            <a:r>
-              <a:rPr lang="zh-TW" altLang="en-US" dirty="0" smtClean="0"/>
-              <a:t> * * * * </a:t>
-            </a:r>
-            <a:r>
-              <a:rPr lang="en-US" dirty="0" err="1" smtClean="0"/>
-              <a:t>ls</a:t>
-            </a:r>
-            <a:r>
               <a:rPr lang="en-US" dirty="0" smtClean="0"/>
               <a:t> </a:t>
             </a:r>
-            <a:endParaRPr lang="en-US" dirty="0" smtClean="0"/>
           </a:p>
           <a:p>
             <a:pPr>
@@ -4402,6 +4414,13 @@
   <p:clrMapOvr>
     <a:masterClrMapping/>
   </p:clrMapOvr>
+  <p:timing>
+    <p:tnLst>
+      <p:par>
+        <p:cTn id="1" dur="indefinite" restart="never" nodeType="tmRoot"/>
+      </p:par>
+    </p:tnLst>
+  </p:timing>
 </p:sld>
 </file>
 
@@ -4484,7 +4503,7 @@
           <a:blip r:embed="rId2">
             <a:extLst>
               <a:ext uri="{28A0092B-C50C-407E-A947-70E740481C1C}">
-                <a14:useLocalDpi xmlns:a14="http://schemas.microsoft.com/office/drawing/2010/main" xmlns="" val="0"/>
+                <a14:useLocalDpi xmlns="" xmlns:a14="http://schemas.microsoft.com/office/drawing/2010/main" val="0"/>
               </a:ext>
             </a:extLst>
           </a:blip>
@@ -4508,14 +4527,14 @@
           <a:effectLst/>
           <a:extLst>
             <a:ext uri="{909E8E84-426E-40DD-AFC4-6F175D3DCCD1}">
-              <a14:hiddenFill xmlns:a14="http://schemas.microsoft.com/office/drawing/2010/main" xmlns="">
+              <a14:hiddenFill xmlns="" xmlns:a14="http://schemas.microsoft.com/office/drawing/2010/main">
                 <a:solidFill>
                   <a:schemeClr val="accent1"/>
                 </a:solidFill>
               </a14:hiddenFill>
             </a:ext>
             <a:ext uri="{91240B29-F687-4F45-9708-019B960494DF}">
-              <a14:hiddenLine xmlns:a14="http://schemas.microsoft.com/office/drawing/2010/main" xmlns="" w="9525">
+              <a14:hiddenLine xmlns="" xmlns:a14="http://schemas.microsoft.com/office/drawing/2010/main" w="9525">
                 <a:solidFill>
                   <a:schemeClr val="tx1"/>
                 </a:solidFill>
@@ -4525,7 +4544,7 @@
               </a14:hiddenLine>
             </a:ext>
             <a:ext uri="{AF507438-7753-43E0-B8FC-AC1667EBCBE1}">
-              <a14:hiddenEffects xmlns:a14="http://schemas.microsoft.com/office/drawing/2010/main" xmlns="">
+              <a14:hiddenEffects xmlns="" xmlns:a14="http://schemas.microsoft.com/office/drawing/2010/main">
                 <a:effectLst>
                   <a:outerShdw dist="35921" dir="2700000" algn="ctr" rotWithShape="0">
                     <a:schemeClr val="bg2"/>
@@ -4539,7 +4558,7 @@
     </p:spTree>
     <p:extLst>
       <p:ext uri="{BB962C8B-B14F-4D97-AF65-F5344CB8AC3E}">
-        <p14:creationId xmlns:p14="http://schemas.microsoft.com/office/powerpoint/2010/main" xmlns="" val="1653378026"/>
+        <p14:creationId xmlns="" xmlns:p14="http://schemas.microsoft.com/office/powerpoint/2010/main" val="1653378026"/>
       </p:ext>
     </p:extLst>
   </p:cSld>
@@ -4628,7 +4647,7 @@
           <a:blip r:embed="rId2">
             <a:extLst>
               <a:ext uri="{28A0092B-C50C-407E-A947-70E740481C1C}">
-                <a14:useLocalDpi xmlns:a14="http://schemas.microsoft.com/office/drawing/2010/main" xmlns="" val="0"/>
+                <a14:useLocalDpi xmlns="" xmlns:a14="http://schemas.microsoft.com/office/drawing/2010/main" val="0"/>
               </a:ext>
             </a:extLst>
           </a:blip>
@@ -4652,14 +4671,14 @@
           <a:effectLst/>
           <a:extLst>
             <a:ext uri="{909E8E84-426E-40DD-AFC4-6F175D3DCCD1}">
-              <a14:hiddenFill xmlns:a14="http://schemas.microsoft.com/office/drawing/2010/main" xmlns="">
+              <a14:hiddenFill xmlns="" xmlns:a14="http://schemas.microsoft.com/office/drawing/2010/main">
                 <a:solidFill>
                   <a:schemeClr val="accent1"/>
                 </a:solidFill>
               </a14:hiddenFill>
             </a:ext>
             <a:ext uri="{91240B29-F687-4F45-9708-019B960494DF}">
-              <a14:hiddenLine xmlns:a14="http://schemas.microsoft.com/office/drawing/2010/main" xmlns="" w="9525">
+              <a14:hiddenLine xmlns="" xmlns:a14="http://schemas.microsoft.com/office/drawing/2010/main" w="9525">
                 <a:solidFill>
                   <a:schemeClr val="tx1"/>
                 </a:solidFill>
@@ -4669,7 +4688,7 @@
               </a14:hiddenLine>
             </a:ext>
             <a:ext uri="{AF507438-7753-43E0-B8FC-AC1667EBCBE1}">
-              <a14:hiddenEffects xmlns:a14="http://schemas.microsoft.com/office/drawing/2010/main" xmlns="">
+              <a14:hiddenEffects xmlns="" xmlns:a14="http://schemas.microsoft.com/office/drawing/2010/main">
                 <a:effectLst>
                   <a:outerShdw dist="35921" dir="2700000" algn="ctr" rotWithShape="0">
                     <a:schemeClr val="bg2"/>
@@ -4683,13 +4702,20 @@
     </p:spTree>
     <p:extLst>
       <p:ext uri="{BB962C8B-B14F-4D97-AF65-F5344CB8AC3E}">
-        <p14:creationId xmlns:p14="http://schemas.microsoft.com/office/powerpoint/2010/main" xmlns="" val="1433338329"/>
+        <p14:creationId xmlns="" xmlns:p14="http://schemas.microsoft.com/office/powerpoint/2010/main" val="1433338329"/>
       </p:ext>
     </p:extLst>
   </p:cSld>
   <p:clrMapOvr>
     <a:masterClrMapping/>
   </p:clrMapOvr>
+  <p:timing>
+    <p:tnLst>
+      <p:par>
+        <p:cTn id="1" dur="indefinite" restart="never" nodeType="tmRoot"/>
+      </p:par>
+    </p:tnLst>
+  </p:timing>
 </p:sld>
 </file>
 
@@ -4764,7 +4790,7 @@
           <a:blip r:embed="rId2">
             <a:extLst>
               <a:ext uri="{28A0092B-C50C-407E-A947-70E740481C1C}">
-                <a14:useLocalDpi xmlns:a14="http://schemas.microsoft.com/office/drawing/2010/main" xmlns="" val="0"/>
+                <a14:useLocalDpi xmlns="" xmlns:a14="http://schemas.microsoft.com/office/drawing/2010/main" val="0"/>
               </a:ext>
             </a:extLst>
           </a:blip>
@@ -4788,14 +4814,14 @@
           <a:effectLst/>
           <a:extLst>
             <a:ext uri="{909E8E84-426E-40DD-AFC4-6F175D3DCCD1}">
-              <a14:hiddenFill xmlns:a14="http://schemas.microsoft.com/office/drawing/2010/main" xmlns="">
+              <a14:hiddenFill xmlns="" xmlns:a14="http://schemas.microsoft.com/office/drawing/2010/main">
                 <a:solidFill>
                   <a:schemeClr val="accent1"/>
                 </a:solidFill>
               </a14:hiddenFill>
             </a:ext>
             <a:ext uri="{91240B29-F687-4F45-9708-019B960494DF}">
-              <a14:hiddenLine xmlns:a14="http://schemas.microsoft.com/office/drawing/2010/main" xmlns="" w="9525">
+              <a14:hiddenLine xmlns="" xmlns:a14="http://schemas.microsoft.com/office/drawing/2010/main" w="9525">
                 <a:solidFill>
                   <a:schemeClr val="tx1"/>
                 </a:solidFill>
@@ -4805,7 +4831,7 @@
               </a14:hiddenLine>
             </a:ext>
             <a:ext uri="{AF507438-7753-43E0-B8FC-AC1667EBCBE1}">
-              <a14:hiddenEffects xmlns:a14="http://schemas.microsoft.com/office/drawing/2010/main" xmlns="">
+              <a14:hiddenEffects xmlns="" xmlns:a14="http://schemas.microsoft.com/office/drawing/2010/main">
                 <a:effectLst>
                   <a:outerShdw dist="35921" dir="2700000" algn="ctr" rotWithShape="0">
                     <a:schemeClr val="bg2"/>
@@ -4819,13 +4845,20 @@
     </p:spTree>
     <p:extLst>
       <p:ext uri="{BB962C8B-B14F-4D97-AF65-F5344CB8AC3E}">
-        <p14:creationId xmlns:p14="http://schemas.microsoft.com/office/powerpoint/2010/main" xmlns="" val="1438031552"/>
+        <p14:creationId xmlns="" xmlns:p14="http://schemas.microsoft.com/office/powerpoint/2010/main" val="1438031552"/>
       </p:ext>
     </p:extLst>
   </p:cSld>
   <p:clrMapOvr>
     <a:masterClrMapping/>
   </p:clrMapOvr>
+  <p:timing>
+    <p:tnLst>
+      <p:par>
+        <p:cTn id="1" dur="indefinite" restart="never" nodeType="tmRoot"/>
+      </p:par>
+    </p:tnLst>
+  </p:timing>
 </p:sld>
 </file>
 
@@ -4900,7 +4933,7 @@
           <a:blip r:embed="rId2">
             <a:extLst>
               <a:ext uri="{28A0092B-C50C-407E-A947-70E740481C1C}">
-                <a14:useLocalDpi xmlns:a14="http://schemas.microsoft.com/office/drawing/2010/main" xmlns="" val="0"/>
+                <a14:useLocalDpi xmlns="" xmlns:a14="http://schemas.microsoft.com/office/drawing/2010/main" val="0"/>
               </a:ext>
             </a:extLst>
           </a:blip>
@@ -4924,14 +4957,14 @@
           <a:effectLst/>
           <a:extLst>
             <a:ext uri="{909E8E84-426E-40DD-AFC4-6F175D3DCCD1}">
-              <a14:hiddenFill xmlns:a14="http://schemas.microsoft.com/office/drawing/2010/main" xmlns="">
+              <a14:hiddenFill xmlns="" xmlns:a14="http://schemas.microsoft.com/office/drawing/2010/main">
                 <a:solidFill>
                   <a:schemeClr val="accent1"/>
                 </a:solidFill>
               </a14:hiddenFill>
             </a:ext>
             <a:ext uri="{91240B29-F687-4F45-9708-019B960494DF}">
-              <a14:hiddenLine xmlns:a14="http://schemas.microsoft.com/office/drawing/2010/main" xmlns="" w="9525">
+              <a14:hiddenLine xmlns="" xmlns:a14="http://schemas.microsoft.com/office/drawing/2010/main" w="9525">
                 <a:solidFill>
                   <a:schemeClr val="tx1"/>
                 </a:solidFill>
@@ -4941,7 +4974,7 @@
               </a14:hiddenLine>
             </a:ext>
             <a:ext uri="{AF507438-7753-43E0-B8FC-AC1667EBCBE1}">
-              <a14:hiddenEffects xmlns:a14="http://schemas.microsoft.com/office/drawing/2010/main" xmlns="">
+              <a14:hiddenEffects xmlns="" xmlns:a14="http://schemas.microsoft.com/office/drawing/2010/main">
                 <a:effectLst>
                   <a:outerShdw dist="35921" dir="2700000" algn="ctr" rotWithShape="0">
                     <a:schemeClr val="bg2"/>
@@ -4955,13 +4988,20 @@
     </p:spTree>
     <p:extLst>
       <p:ext uri="{BB962C8B-B14F-4D97-AF65-F5344CB8AC3E}">
-        <p14:creationId xmlns:p14="http://schemas.microsoft.com/office/powerpoint/2010/main" xmlns="" val="1594956161"/>
+        <p14:creationId xmlns="" xmlns:p14="http://schemas.microsoft.com/office/powerpoint/2010/main" val="1594956161"/>
       </p:ext>
     </p:extLst>
   </p:cSld>
   <p:clrMapOvr>
     <a:masterClrMapping/>
   </p:clrMapOvr>
+  <p:timing>
+    <p:tnLst>
+      <p:par>
+        <p:cTn id="1" dur="indefinite" restart="never" nodeType="tmRoot"/>
+      </p:par>
+    </p:tnLst>
+  </p:timing>
 </p:sld>
 </file>
 
@@ -5036,7 +5076,7 @@
           <a:blip r:embed="rId2">
             <a:extLst>
               <a:ext uri="{28A0092B-C50C-407E-A947-70E740481C1C}">
-                <a14:useLocalDpi xmlns:a14="http://schemas.microsoft.com/office/drawing/2010/main" xmlns="" val="0"/>
+                <a14:useLocalDpi xmlns="" xmlns:a14="http://schemas.microsoft.com/office/drawing/2010/main" val="0"/>
               </a:ext>
             </a:extLst>
           </a:blip>
@@ -5060,14 +5100,14 @@
           <a:effectLst/>
           <a:extLst>
             <a:ext uri="{909E8E84-426E-40DD-AFC4-6F175D3DCCD1}">
-              <a14:hiddenFill xmlns:a14="http://schemas.microsoft.com/office/drawing/2010/main" xmlns="">
+              <a14:hiddenFill xmlns="" xmlns:a14="http://schemas.microsoft.com/office/drawing/2010/main">
                 <a:solidFill>
                   <a:schemeClr val="accent1"/>
                 </a:solidFill>
               </a14:hiddenFill>
             </a:ext>
             <a:ext uri="{91240B29-F687-4F45-9708-019B960494DF}">
-              <a14:hiddenLine xmlns:a14="http://schemas.microsoft.com/office/drawing/2010/main" xmlns="" w="9525">
+              <a14:hiddenLine xmlns="" xmlns:a14="http://schemas.microsoft.com/office/drawing/2010/main" w="9525">
                 <a:solidFill>
                   <a:schemeClr val="tx1"/>
                 </a:solidFill>
@@ -5077,7 +5117,7 @@
               </a14:hiddenLine>
             </a:ext>
             <a:ext uri="{AF507438-7753-43E0-B8FC-AC1667EBCBE1}">
-              <a14:hiddenEffects xmlns:a14="http://schemas.microsoft.com/office/drawing/2010/main" xmlns="">
+              <a14:hiddenEffects xmlns="" xmlns:a14="http://schemas.microsoft.com/office/drawing/2010/main">
                 <a:effectLst>
                   <a:outerShdw dist="35921" dir="2700000" algn="ctr" rotWithShape="0">
                     <a:schemeClr val="bg2"/>
@@ -5091,13 +5131,20 @@
     </p:spTree>
     <p:extLst>
       <p:ext uri="{BB962C8B-B14F-4D97-AF65-F5344CB8AC3E}">
-        <p14:creationId xmlns:p14="http://schemas.microsoft.com/office/powerpoint/2010/main" xmlns="" val="2253360344"/>
+        <p14:creationId xmlns="" xmlns:p14="http://schemas.microsoft.com/office/powerpoint/2010/main" val="2253360344"/>
       </p:ext>
     </p:extLst>
   </p:cSld>
   <p:clrMapOvr>
     <a:masterClrMapping/>
   </p:clrMapOvr>
+  <p:timing>
+    <p:tnLst>
+      <p:par>
+        <p:cTn id="1" dur="indefinite" restart="never" nodeType="tmRoot"/>
+      </p:par>
+    </p:tnLst>
+  </p:timing>
 </p:sld>
 </file>
 
@@ -5172,7 +5219,7 @@
           <a:blip r:embed="rId2">
             <a:extLst>
               <a:ext uri="{28A0092B-C50C-407E-A947-70E740481C1C}">
-                <a14:useLocalDpi xmlns:a14="http://schemas.microsoft.com/office/drawing/2010/main" xmlns="" val="0"/>
+                <a14:useLocalDpi xmlns="" xmlns:a14="http://schemas.microsoft.com/office/drawing/2010/main" val="0"/>
               </a:ext>
             </a:extLst>
           </a:blip>
@@ -5196,14 +5243,14 @@
           <a:effectLst/>
           <a:extLst>
             <a:ext uri="{909E8E84-426E-40DD-AFC4-6F175D3DCCD1}">
-              <a14:hiddenFill xmlns:a14="http://schemas.microsoft.com/office/drawing/2010/main" xmlns="">
+              <a14:hiddenFill xmlns="" xmlns:a14="http://schemas.microsoft.com/office/drawing/2010/main">
                 <a:solidFill>
                   <a:schemeClr val="accent1"/>
                 </a:solidFill>
               </a14:hiddenFill>
             </a:ext>
             <a:ext uri="{91240B29-F687-4F45-9708-019B960494DF}">
-              <a14:hiddenLine xmlns:a14="http://schemas.microsoft.com/office/drawing/2010/main" xmlns="" w="9525">
+              <a14:hiddenLine xmlns="" xmlns:a14="http://schemas.microsoft.com/office/drawing/2010/main" w="9525">
                 <a:solidFill>
                   <a:schemeClr val="tx1"/>
                 </a:solidFill>
@@ -5213,7 +5260,7 @@
               </a14:hiddenLine>
             </a:ext>
             <a:ext uri="{AF507438-7753-43E0-B8FC-AC1667EBCBE1}">
-              <a14:hiddenEffects xmlns:a14="http://schemas.microsoft.com/office/drawing/2010/main" xmlns="">
+              <a14:hiddenEffects xmlns="" xmlns:a14="http://schemas.microsoft.com/office/drawing/2010/main">
                 <a:effectLst>
                   <a:outerShdw dist="35921" dir="2700000" algn="ctr" rotWithShape="0">
                     <a:schemeClr val="bg2"/>
@@ -5227,13 +5274,20 @@
     </p:spTree>
     <p:extLst>
       <p:ext uri="{BB962C8B-B14F-4D97-AF65-F5344CB8AC3E}">
-        <p14:creationId xmlns:p14="http://schemas.microsoft.com/office/powerpoint/2010/main" xmlns="" val="1564126899"/>
+        <p14:creationId xmlns="" xmlns:p14="http://schemas.microsoft.com/office/powerpoint/2010/main" val="1564126899"/>
       </p:ext>
     </p:extLst>
   </p:cSld>
   <p:clrMapOvr>
     <a:masterClrMapping/>
   </p:clrMapOvr>
+  <p:timing>
+    <p:tnLst>
+      <p:par>
+        <p:cTn id="1" dur="indefinite" restart="never" nodeType="tmRoot"/>
+      </p:par>
+    </p:tnLst>
+  </p:timing>
 </p:sld>
 </file>
 
@@ -5308,7 +5362,7 @@
           <a:blip r:embed="rId2">
             <a:extLst>
               <a:ext uri="{28A0092B-C50C-407E-A947-70E740481C1C}">
-                <a14:useLocalDpi xmlns:a14="http://schemas.microsoft.com/office/drawing/2010/main" xmlns="" val="0"/>
+                <a14:useLocalDpi xmlns="" xmlns:a14="http://schemas.microsoft.com/office/drawing/2010/main" val="0"/>
               </a:ext>
             </a:extLst>
           </a:blip>
@@ -5332,14 +5386,14 @@
           <a:effectLst/>
           <a:extLst>
             <a:ext uri="{909E8E84-426E-40DD-AFC4-6F175D3DCCD1}">
-              <a14:hiddenFill xmlns:a14="http://schemas.microsoft.com/office/drawing/2010/main" xmlns="">
+              <a14:hiddenFill xmlns="" xmlns:a14="http://schemas.microsoft.com/office/drawing/2010/main">
                 <a:solidFill>
                   <a:schemeClr val="accent1"/>
                 </a:solidFill>
               </a14:hiddenFill>
             </a:ext>
             <a:ext uri="{91240B29-F687-4F45-9708-019B960494DF}">
-              <a14:hiddenLine xmlns:a14="http://schemas.microsoft.com/office/drawing/2010/main" xmlns="" w="9525">
+              <a14:hiddenLine xmlns="" xmlns:a14="http://schemas.microsoft.com/office/drawing/2010/main" w="9525">
                 <a:solidFill>
                   <a:schemeClr val="tx1"/>
                 </a:solidFill>
@@ -5349,7 +5403,7 @@
               </a14:hiddenLine>
             </a:ext>
             <a:ext uri="{AF507438-7753-43E0-B8FC-AC1667EBCBE1}">
-              <a14:hiddenEffects xmlns:a14="http://schemas.microsoft.com/office/drawing/2010/main" xmlns="">
+              <a14:hiddenEffects xmlns="" xmlns:a14="http://schemas.microsoft.com/office/drawing/2010/main">
                 <a:effectLst>
                   <a:outerShdw dist="35921" dir="2700000" algn="ctr" rotWithShape="0">
                     <a:schemeClr val="bg2"/>
@@ -5363,13 +5417,20 @@
     </p:spTree>
     <p:extLst>
       <p:ext uri="{BB962C8B-B14F-4D97-AF65-F5344CB8AC3E}">
-        <p14:creationId xmlns:p14="http://schemas.microsoft.com/office/powerpoint/2010/main" xmlns="" val="3530276044"/>
+        <p14:creationId xmlns="" xmlns:p14="http://schemas.microsoft.com/office/powerpoint/2010/main" val="3530276044"/>
       </p:ext>
     </p:extLst>
   </p:cSld>
   <p:clrMapOvr>
     <a:masterClrMapping/>
   </p:clrMapOvr>
+  <p:timing>
+    <p:tnLst>
+      <p:par>
+        <p:cTn id="1" dur="indefinite" restart="never" nodeType="tmRoot"/>
+      </p:par>
+    </p:tnLst>
+  </p:timing>
 </p:sld>
 </file>
 
@@ -5444,7 +5505,7 @@
           <a:blip r:embed="rId2">
             <a:extLst>
               <a:ext uri="{28A0092B-C50C-407E-A947-70E740481C1C}">
-                <a14:useLocalDpi xmlns:a14="http://schemas.microsoft.com/office/drawing/2010/main" xmlns="" val="0"/>
+                <a14:useLocalDpi xmlns="" xmlns:a14="http://schemas.microsoft.com/office/drawing/2010/main" val="0"/>
               </a:ext>
             </a:extLst>
           </a:blip>
@@ -5468,14 +5529,14 @@
           <a:effectLst/>
           <a:extLst>
             <a:ext uri="{909E8E84-426E-40DD-AFC4-6F175D3DCCD1}">
-              <a14:hiddenFill xmlns:a14="http://schemas.microsoft.com/office/drawing/2010/main" xmlns="">
+              <a14:hiddenFill xmlns="" xmlns:a14="http://schemas.microsoft.com/office/drawing/2010/main">
                 <a:solidFill>
                   <a:schemeClr val="accent1"/>
                 </a:solidFill>
               </a14:hiddenFill>
             </a:ext>
             <a:ext uri="{91240B29-F687-4F45-9708-019B960494DF}">
-              <a14:hiddenLine xmlns:a14="http://schemas.microsoft.com/office/drawing/2010/main" xmlns="" w="9525">
+              <a14:hiddenLine xmlns="" xmlns:a14="http://schemas.microsoft.com/office/drawing/2010/main" w="9525">
                 <a:solidFill>
                   <a:schemeClr val="tx1"/>
                 </a:solidFill>
@@ -5485,7 +5546,7 @@
               </a14:hiddenLine>
             </a:ext>
             <a:ext uri="{AF507438-7753-43E0-B8FC-AC1667EBCBE1}">
-              <a14:hiddenEffects xmlns:a14="http://schemas.microsoft.com/office/drawing/2010/main" xmlns="">
+              <a14:hiddenEffects xmlns="" xmlns:a14="http://schemas.microsoft.com/office/drawing/2010/main">
                 <a:effectLst>
                   <a:outerShdw dist="35921" dir="2700000" algn="ctr" rotWithShape="0">
                     <a:schemeClr val="bg2"/>
@@ -5499,13 +5560,20 @@
     </p:spTree>
     <p:extLst>
       <p:ext uri="{BB962C8B-B14F-4D97-AF65-F5344CB8AC3E}">
-        <p14:creationId xmlns:p14="http://schemas.microsoft.com/office/powerpoint/2010/main" xmlns="" val="2605510144"/>
+        <p14:creationId xmlns="" xmlns:p14="http://schemas.microsoft.com/office/powerpoint/2010/main" val="2605510144"/>
       </p:ext>
     </p:extLst>
   </p:cSld>
   <p:clrMapOvr>
     <a:masterClrMapping/>
   </p:clrMapOvr>
+  <p:timing>
+    <p:tnLst>
+      <p:par>
+        <p:cTn id="1" dur="indefinite" restart="never" nodeType="tmRoot"/>
+      </p:par>
+    </p:tnLst>
+  </p:timing>
 </p:sld>
 </file>
 
